--- a/test.pptx
+++ b/test.pptx
@@ -3114,7 +3114,7 @@
         <p:spPr>
           <a:xfrm>
             <a:off x="914400" y="914400"/>
-            <a:ext cx="3011424" cy="1712976"/>
+            <a:ext cx="12547600" cy="3568700"/>
           </a:xfrm>
           <a:prstGeom prst="rect">
             <a:avLst/>
@@ -3156,7 +3156,7 @@
         <p:spPr>
           <a:xfrm>
             <a:off x="914400" y="914400"/>
-            <a:ext cx="3011424" cy="1712976"/>
+            <a:ext cx="12547600" cy="3568700"/>
           </a:xfrm>
           <a:prstGeom prst="rect">
             <a:avLst/>
@@ -3198,7 +3198,7 @@
         <p:spPr>
           <a:xfrm>
             <a:off x="914400" y="914400"/>
-            <a:ext cx="3011424" cy="1712976"/>
+            <a:ext cx="12547600" cy="3568700"/>
           </a:xfrm>
           <a:prstGeom prst="rect">
             <a:avLst/>
@@ -3240,7 +3240,7 @@
         <p:spPr>
           <a:xfrm>
             <a:off x="914400" y="914400"/>
-            <a:ext cx="3011424" cy="1712976"/>
+            <a:ext cx="12547600" cy="3568700"/>
           </a:xfrm>
           <a:prstGeom prst="rect">
             <a:avLst/>
@@ -3282,7 +3282,7 @@
         <p:spPr>
           <a:xfrm>
             <a:off x="914400" y="914400"/>
-            <a:ext cx="3011424" cy="1712976"/>
+            <a:ext cx="12547600" cy="3568700"/>
           </a:xfrm>
           <a:prstGeom prst="rect">
             <a:avLst/>
@@ -3324,7 +3324,7 @@
         <p:spPr>
           <a:xfrm>
             <a:off x="914400" y="914400"/>
-            <a:ext cx="3011424" cy="1712976"/>
+            <a:ext cx="12547600" cy="3568700"/>
           </a:xfrm>
           <a:prstGeom prst="rect">
             <a:avLst/>
@@ -3366,7 +3366,7 @@
         <p:spPr>
           <a:xfrm>
             <a:off x="914400" y="914400"/>
-            <a:ext cx="3011424" cy="1712976"/>
+            <a:ext cx="12547600" cy="3568700"/>
           </a:xfrm>
           <a:prstGeom prst="rect">
             <a:avLst/>
@@ -3408,7 +3408,7 @@
         <p:spPr>
           <a:xfrm>
             <a:off x="914400" y="914400"/>
-            <a:ext cx="3011424" cy="1712976"/>
+            <a:ext cx="12547600" cy="3568700"/>
           </a:xfrm>
           <a:prstGeom prst="rect">
             <a:avLst/>
@@ -3450,7 +3450,7 @@
         <p:spPr>
           <a:xfrm>
             <a:off x="914400" y="914400"/>
-            <a:ext cx="3011424" cy="1712976"/>
+            <a:ext cx="12547600" cy="3568700"/>
           </a:xfrm>
           <a:prstGeom prst="rect">
             <a:avLst/>
@@ -3492,7 +3492,7 @@
         <p:spPr>
           <a:xfrm>
             <a:off x="914400" y="914400"/>
-            <a:ext cx="3011424" cy="1712976"/>
+            <a:ext cx="12547600" cy="3568700"/>
           </a:xfrm>
           <a:prstGeom prst="rect">
             <a:avLst/>

--- a/test.pptx
+++ b/test.pptx
@@ -3097,9 +3097,30 @@
         <p:nvPr/>
       </p:nvGrpSpPr>
       <p:grpSpPr/>
+      <p:sp>
+        <p:nvSpPr>
+          <p:cNvPr id="2" name="Title 1"/>
+          <p:cNvSpPr>
+            <a:spLocks noGrp="1"/>
+          </p:cNvSpPr>
+          <p:nvPr>
+            <p:ph type="title"/>
+          </p:nvPr>
+        </p:nvSpPr>
+        <p:spPr/>
+        <p:txBody>
+          <a:bodyPr/>
+          <a:lstStyle/>
+          <a:p>
+            <a:r>
+              <a:t>0025.jpg</a:t>
+            </a:r>
+          </a:p>
+        </p:txBody>
+      </p:sp>
       <p:pic>
         <p:nvPicPr>
-          <p:cNvPr id="2" name="Picture 1" descr="0025.jpg"/>
+          <p:cNvPr id="3" name="Picture 2" descr="0025.jpg"/>
           <p:cNvPicPr>
             <a:picLocks noChangeAspect="1"/>
           </p:cNvPicPr>
@@ -3113,8 +3134,8 @@
         </p:blipFill>
         <p:spPr>
           <a:xfrm>
-            <a:off x="914400" y="914400"/>
-            <a:ext cx="12547600" cy="3568700"/>
+            <a:off x="457200" y="2258568"/>
+            <a:ext cx="8230511" cy="2340864"/>
           </a:xfrm>
           <a:prstGeom prst="rect">
             <a:avLst/>
@@ -3139,9 +3160,30 @@
         <p:nvPr/>
       </p:nvGrpSpPr>
       <p:grpSpPr/>
+      <p:sp>
+        <p:nvSpPr>
+          <p:cNvPr id="2" name="Title 1"/>
+          <p:cNvSpPr>
+            <a:spLocks noGrp="1"/>
+          </p:cNvSpPr>
+          <p:nvPr>
+            <p:ph type="title"/>
+          </p:nvPr>
+        </p:nvSpPr>
+        <p:spPr/>
+        <p:txBody>
+          <a:bodyPr/>
+          <a:lstStyle/>
+          <a:p>
+            <a:r>
+              <a:t>0070.jpg</a:t>
+            </a:r>
+          </a:p>
+        </p:txBody>
+      </p:sp>
       <p:pic>
         <p:nvPicPr>
-          <p:cNvPr id="2" name="Picture 1" descr="0070.jpg"/>
+          <p:cNvPr id="3" name="Picture 2" descr="0070.jpg"/>
           <p:cNvPicPr>
             <a:picLocks noChangeAspect="1"/>
           </p:cNvPicPr>
@@ -3155,8 +3197,8 @@
         </p:blipFill>
         <p:spPr>
           <a:xfrm>
-            <a:off x="914400" y="914400"/>
-            <a:ext cx="12547600" cy="3568700"/>
+            <a:off x="457200" y="2258568"/>
+            <a:ext cx="8230511" cy="2340864"/>
           </a:xfrm>
           <a:prstGeom prst="rect">
             <a:avLst/>
@@ -3181,9 +3223,30 @@
         <p:nvPr/>
       </p:nvGrpSpPr>
       <p:grpSpPr/>
+      <p:sp>
+        <p:nvSpPr>
+          <p:cNvPr id="2" name="Title 1"/>
+          <p:cNvSpPr>
+            <a:spLocks noGrp="1"/>
+          </p:cNvSpPr>
+          <p:nvPr>
+            <p:ph type="title"/>
+          </p:nvPr>
+        </p:nvSpPr>
+        <p:spPr/>
+        <p:txBody>
+          <a:bodyPr/>
+          <a:lstStyle/>
+          <a:p>
+            <a:r>
+              <a:t>0030.jpg</a:t>
+            </a:r>
+          </a:p>
+        </p:txBody>
+      </p:sp>
       <p:pic>
         <p:nvPicPr>
-          <p:cNvPr id="2" name="Picture 1" descr="0030.jpg"/>
+          <p:cNvPr id="3" name="Picture 2" descr="0030.jpg"/>
           <p:cNvPicPr>
             <a:picLocks noChangeAspect="1"/>
           </p:cNvPicPr>
@@ -3197,8 +3260,8 @@
         </p:blipFill>
         <p:spPr>
           <a:xfrm>
-            <a:off x="914400" y="914400"/>
-            <a:ext cx="12547600" cy="3568700"/>
+            <a:off x="457200" y="2258568"/>
+            <a:ext cx="8230511" cy="2340864"/>
           </a:xfrm>
           <a:prstGeom prst="rect">
             <a:avLst/>
@@ -3223,9 +3286,30 @@
         <p:nvPr/>
       </p:nvGrpSpPr>
       <p:grpSpPr/>
+      <p:sp>
+        <p:nvSpPr>
+          <p:cNvPr id="2" name="Title 1"/>
+          <p:cNvSpPr>
+            <a:spLocks noGrp="1"/>
+          </p:cNvSpPr>
+          <p:nvPr>
+            <p:ph type="title"/>
+          </p:nvPr>
+        </p:nvSpPr>
+        <p:spPr/>
+        <p:txBody>
+          <a:bodyPr/>
+          <a:lstStyle/>
+          <a:p>
+            <a:r>
+              <a:t>0035.jpg</a:t>
+            </a:r>
+          </a:p>
+        </p:txBody>
+      </p:sp>
       <p:pic>
         <p:nvPicPr>
-          <p:cNvPr id="2" name="Picture 1" descr="0035.jpg"/>
+          <p:cNvPr id="3" name="Picture 2" descr="0035.jpg"/>
           <p:cNvPicPr>
             <a:picLocks noChangeAspect="1"/>
           </p:cNvPicPr>
@@ -3239,8 +3323,8 @@
         </p:blipFill>
         <p:spPr>
           <a:xfrm>
-            <a:off x="914400" y="914400"/>
-            <a:ext cx="12547600" cy="3568700"/>
+            <a:off x="457200" y="2258568"/>
+            <a:ext cx="8230511" cy="2340864"/>
           </a:xfrm>
           <a:prstGeom prst="rect">
             <a:avLst/>
@@ -3265,9 +3349,30 @@
         <p:nvPr/>
       </p:nvGrpSpPr>
       <p:grpSpPr/>
+      <p:sp>
+        <p:nvSpPr>
+          <p:cNvPr id="2" name="Title 1"/>
+          <p:cNvSpPr>
+            <a:spLocks noGrp="1"/>
+          </p:cNvSpPr>
+          <p:nvPr>
+            <p:ph type="title"/>
+          </p:nvPr>
+        </p:nvSpPr>
+        <p:spPr/>
+        <p:txBody>
+          <a:bodyPr/>
+          <a:lstStyle/>
+          <a:p>
+            <a:r>
+              <a:t>0040.jpg</a:t>
+            </a:r>
+          </a:p>
+        </p:txBody>
+      </p:sp>
       <p:pic>
         <p:nvPicPr>
-          <p:cNvPr id="2" name="Picture 1" descr="0040.jpg"/>
+          <p:cNvPr id="3" name="Picture 2" descr="0040.jpg"/>
           <p:cNvPicPr>
             <a:picLocks noChangeAspect="1"/>
           </p:cNvPicPr>
@@ -3281,8 +3386,8 @@
         </p:blipFill>
         <p:spPr>
           <a:xfrm>
-            <a:off x="914400" y="914400"/>
-            <a:ext cx="12547600" cy="3568700"/>
+            <a:off x="457200" y="2258568"/>
+            <a:ext cx="8230511" cy="2340864"/>
           </a:xfrm>
           <a:prstGeom prst="rect">
             <a:avLst/>
@@ -3307,9 +3412,30 @@
         <p:nvPr/>
       </p:nvGrpSpPr>
       <p:grpSpPr/>
+      <p:sp>
+        <p:nvSpPr>
+          <p:cNvPr id="2" name="Title 1"/>
+          <p:cNvSpPr>
+            <a:spLocks noGrp="1"/>
+          </p:cNvSpPr>
+          <p:nvPr>
+            <p:ph type="title"/>
+          </p:nvPr>
+        </p:nvSpPr>
+        <p:spPr/>
+        <p:txBody>
+          <a:bodyPr/>
+          <a:lstStyle/>
+          <a:p>
+            <a:r>
+              <a:t>0045.jpg</a:t>
+            </a:r>
+          </a:p>
+        </p:txBody>
+      </p:sp>
       <p:pic>
         <p:nvPicPr>
-          <p:cNvPr id="2" name="Picture 1" descr="0045.jpg"/>
+          <p:cNvPr id="3" name="Picture 2" descr="0045.jpg"/>
           <p:cNvPicPr>
             <a:picLocks noChangeAspect="1"/>
           </p:cNvPicPr>
@@ -3323,8 +3449,8 @@
         </p:blipFill>
         <p:spPr>
           <a:xfrm>
-            <a:off x="914400" y="914400"/>
-            <a:ext cx="12547600" cy="3568700"/>
+            <a:off x="457200" y="2258568"/>
+            <a:ext cx="8230511" cy="2340864"/>
           </a:xfrm>
           <a:prstGeom prst="rect">
             <a:avLst/>
@@ -3349,9 +3475,30 @@
         <p:nvPr/>
       </p:nvGrpSpPr>
       <p:grpSpPr/>
+      <p:sp>
+        <p:nvSpPr>
+          <p:cNvPr id="2" name="Title 1"/>
+          <p:cNvSpPr>
+            <a:spLocks noGrp="1"/>
+          </p:cNvSpPr>
+          <p:nvPr>
+            <p:ph type="title"/>
+          </p:nvPr>
+        </p:nvSpPr>
+        <p:spPr/>
+        <p:txBody>
+          <a:bodyPr/>
+          <a:lstStyle/>
+          <a:p>
+            <a:r>
+              <a:t>0050.jpg</a:t>
+            </a:r>
+          </a:p>
+        </p:txBody>
+      </p:sp>
       <p:pic>
         <p:nvPicPr>
-          <p:cNvPr id="2" name="Picture 1" descr="0050.jpg"/>
+          <p:cNvPr id="3" name="Picture 2" descr="0050.jpg"/>
           <p:cNvPicPr>
             <a:picLocks noChangeAspect="1"/>
           </p:cNvPicPr>
@@ -3365,8 +3512,8 @@
         </p:blipFill>
         <p:spPr>
           <a:xfrm>
-            <a:off x="914400" y="914400"/>
-            <a:ext cx="12547600" cy="3568700"/>
+            <a:off x="457200" y="2258568"/>
+            <a:ext cx="8230511" cy="2340864"/>
           </a:xfrm>
           <a:prstGeom prst="rect">
             <a:avLst/>
@@ -3391,9 +3538,30 @@
         <p:nvPr/>
       </p:nvGrpSpPr>
       <p:grpSpPr/>
+      <p:sp>
+        <p:nvSpPr>
+          <p:cNvPr id="2" name="Title 1"/>
+          <p:cNvSpPr>
+            <a:spLocks noGrp="1"/>
+          </p:cNvSpPr>
+          <p:nvPr>
+            <p:ph type="title"/>
+          </p:nvPr>
+        </p:nvSpPr>
+        <p:spPr/>
+        <p:txBody>
+          <a:bodyPr/>
+          <a:lstStyle/>
+          <a:p>
+            <a:r>
+              <a:t>0055.jpg</a:t>
+            </a:r>
+          </a:p>
+        </p:txBody>
+      </p:sp>
       <p:pic>
         <p:nvPicPr>
-          <p:cNvPr id="2" name="Picture 1" descr="0055.jpg"/>
+          <p:cNvPr id="3" name="Picture 2" descr="0055.jpg"/>
           <p:cNvPicPr>
             <a:picLocks noChangeAspect="1"/>
           </p:cNvPicPr>
@@ -3407,8 +3575,8 @@
         </p:blipFill>
         <p:spPr>
           <a:xfrm>
-            <a:off x="914400" y="914400"/>
-            <a:ext cx="12547600" cy="3568700"/>
+            <a:off x="457200" y="2258568"/>
+            <a:ext cx="8230511" cy="2340864"/>
           </a:xfrm>
           <a:prstGeom prst="rect">
             <a:avLst/>
@@ -3433,9 +3601,30 @@
         <p:nvPr/>
       </p:nvGrpSpPr>
       <p:grpSpPr/>
+      <p:sp>
+        <p:nvSpPr>
+          <p:cNvPr id="2" name="Title 1"/>
+          <p:cNvSpPr>
+            <a:spLocks noGrp="1"/>
+          </p:cNvSpPr>
+          <p:nvPr>
+            <p:ph type="title"/>
+          </p:nvPr>
+        </p:nvSpPr>
+        <p:spPr/>
+        <p:txBody>
+          <a:bodyPr/>
+          <a:lstStyle/>
+          <a:p>
+            <a:r>
+              <a:t>0060.jpg</a:t>
+            </a:r>
+          </a:p>
+        </p:txBody>
+      </p:sp>
       <p:pic>
         <p:nvPicPr>
-          <p:cNvPr id="2" name="Picture 1" descr="0060.jpg"/>
+          <p:cNvPr id="3" name="Picture 2" descr="0060.jpg"/>
           <p:cNvPicPr>
             <a:picLocks noChangeAspect="1"/>
           </p:cNvPicPr>
@@ -3449,8 +3638,8 @@
         </p:blipFill>
         <p:spPr>
           <a:xfrm>
-            <a:off x="914400" y="914400"/>
-            <a:ext cx="12547600" cy="3568700"/>
+            <a:off x="457200" y="2258568"/>
+            <a:ext cx="8230511" cy="2340864"/>
           </a:xfrm>
           <a:prstGeom prst="rect">
             <a:avLst/>
@@ -3475,9 +3664,30 @@
         <p:nvPr/>
       </p:nvGrpSpPr>
       <p:grpSpPr/>
+      <p:sp>
+        <p:nvSpPr>
+          <p:cNvPr id="2" name="Title 1"/>
+          <p:cNvSpPr>
+            <a:spLocks noGrp="1"/>
+          </p:cNvSpPr>
+          <p:nvPr>
+            <p:ph type="title"/>
+          </p:nvPr>
+        </p:nvSpPr>
+        <p:spPr/>
+        <p:txBody>
+          <a:bodyPr/>
+          <a:lstStyle/>
+          <a:p>
+            <a:r>
+              <a:t>0065.jpg</a:t>
+            </a:r>
+          </a:p>
+        </p:txBody>
+      </p:sp>
       <p:pic>
         <p:nvPicPr>
-          <p:cNvPr id="2" name="Picture 1" descr="0065.jpg"/>
+          <p:cNvPr id="3" name="Picture 2" descr="0065.jpg"/>
           <p:cNvPicPr>
             <a:picLocks noChangeAspect="1"/>
           </p:cNvPicPr>
@@ -3491,8 +3701,8 @@
         </p:blipFill>
         <p:spPr>
           <a:xfrm>
-            <a:off x="914400" y="914400"/>
-            <a:ext cx="12547600" cy="3568700"/>
+            <a:off x="457200" y="2258568"/>
+            <a:ext cx="8230511" cy="2340864"/>
           </a:xfrm>
           <a:prstGeom prst="rect">
             <a:avLst/>
